--- a/cmsc125/ostep/slides/02.Concurrency/33.Event-based_Concurrency(Advanced).pptx
+++ b/cmsc125/ostep/slides/02.Concurrency/33.Event-based_Concurrency(Advanced).pptx
@@ -257,7 +257,7 @@
           <a:p>
             <a:fld id="{050F0499-AE52-4672-879B-3107B2FC2A9F}" type="datetimeFigureOut">
               <a:rPr lang="ko-KR" altLang="en-US" smtClean="0"/>
-              <a:t>2021-07-21</a:t>
+              <a:t>2021-12-30</a:t>
             </a:fld>
             <a:endParaRPr lang="ko-KR" altLang="en-US"/>
           </a:p>
@@ -1704,7 +1704,7 @@
             </a:r>
             <a:r>
               <a:rPr lang="en-US" altLang="ko-KR" dirty="0"/>
-              <a:t>by another thread.</a:t>
+              <a:t>by another thread</a:t>
             </a:r>
           </a:p>
           <a:p>
@@ -1725,10 +1725,7 @@
               <a:rPr lang="en-US" altLang="ko-KR" u="sng" dirty="0"/>
               <a:t>an event-based application</a:t>
             </a:r>
-            <a:r>
-              <a:rPr lang="en-US" altLang="ko-KR" dirty="0"/>
-              <a:t>.</a:t>
-            </a:r>
+            <a:endParaRPr lang="en-US" altLang="ko-KR" dirty="0"/>
           </a:p>
           <a:p>
             <a:pPr lvl="1"/>
@@ -1740,10 +1737,7 @@
               <a:rPr lang="en-US" altLang="ko-KR" b="1" dirty="0"/>
               <a:t>single threaded</a:t>
             </a:r>
-            <a:r>
-              <a:rPr lang="en-US" altLang="ko-KR" dirty="0"/>
-              <a:t>.</a:t>
-            </a:r>
+            <a:endParaRPr lang="en-US" altLang="ko-KR" dirty="0"/>
           </a:p>
           <a:p>
             <a:pPr lvl="1"/>
@@ -1765,7 +1759,7 @@
             </a:r>
             <a:r>
               <a:rPr lang="en-US" altLang="ko-KR" dirty="0"/>
-              <a:t>in the basic event-based approach.</a:t>
+              <a:t>in the basic event-based approach</a:t>
             </a:r>
             <a:endParaRPr lang="ko-KR" altLang="en-US" dirty="0"/>
           </a:p>
@@ -1844,11 +1838,19 @@
           <a:p>
             <a:r>
               <a:rPr lang="en-US" altLang="ko-KR" dirty="0"/>
-              <a:t>What if an event requires that you issue </a:t>
+              <a:t>What if an event requires that you issue a system call (</a:t>
+            </a:r>
+            <a:r>
+              <a:rPr lang="en-US" altLang="ko-KR" dirty="0" err="1"/>
+              <a:t>e.g</a:t>
+            </a:r>
+            <a:r>
+              <a:rPr lang="en-US" altLang="ko-KR" dirty="0"/>
+              <a:t> read)</a:t>
             </a:r>
             <a:r>
               <a:rPr lang="en-US" altLang="ko-KR" b="1" dirty="0"/>
-              <a:t>a system call </a:t>
+              <a:t> </a:t>
             </a:r>
             <a:r>
               <a:rPr lang="en-US" altLang="ko-KR" dirty="0"/>
@@ -1882,10 +1884,7 @@
               </a:rPr>
               <a:t>block until the call completes</a:t>
             </a:r>
-            <a:r>
-              <a:rPr lang="en-US" altLang="ko-KR" dirty="0"/>
-              <a:t>. </a:t>
-            </a:r>
+            <a:endParaRPr lang="en-US" altLang="ko-KR" dirty="0"/>
           </a:p>
           <a:p>
             <a:pPr lvl="1"/>
@@ -2067,7 +2066,7 @@
             </a:r>
             <a:r>
               <a:rPr lang="en-US" altLang="ko-KR" dirty="0"/>
-              <a:t> to the caller, before the I/O has completed.</a:t>
+              <a:t> to the caller, before the I/O has completed</a:t>
             </a:r>
           </a:p>
           <a:p>
@@ -2104,18 +2103,11 @@
               <a:t>The APIs revolve around a basic structure, the </a:t>
             </a:r>
             <a:r>
-              <a:rPr lang="en-US" altLang="ko-KR" dirty="0" err="1">
-                <a:latin typeface="Courier New" pitchFamily="49" charset="0"/>
-                <a:cs typeface="Courier New" pitchFamily="49" charset="0"/>
-              </a:rPr>
-              <a:t>struct</a:t>
-            </a:r>
-            <a:r>
               <a:rPr lang="en-US" altLang="ko-KR" dirty="0">
                 <a:latin typeface="Courier New" pitchFamily="49" charset="0"/>
                 <a:cs typeface="Courier New" pitchFamily="49" charset="0"/>
               </a:rPr>
-              <a:t> </a:t>
+              <a:t>struct </a:t>
             </a:r>
             <a:r>
               <a:rPr lang="en-US" altLang="ko-KR" dirty="0" err="1">
@@ -2149,7 +2141,7 @@
             </a:r>
             <a:r>
               <a:rPr lang="en-US" altLang="ko-KR" dirty="0"/>
-              <a:t>in common terminology.</a:t>
+              <a:t>in common terminology</a:t>
             </a:r>
           </a:p>
           <a:p>
@@ -2689,7 +2681,7 @@
             <a:pPr lvl="2"/>
             <a:r>
               <a:rPr lang="en-US" altLang="ko-KR" dirty="0"/>
-              <a:t>If successful, it returns right away and the application can continue with its work.</a:t>
+              <a:t>If successful, it returns right away and the application can continue with its work</a:t>
             </a:r>
           </a:p>
           <a:p>
@@ -2710,7 +2702,7 @@
             </a:r>
             <a:r>
               <a:rPr lang="en-US" altLang="ko-KR" dirty="0"/>
-              <a:t> has completed.</a:t>
+              <a:t> has completed</a:t>
             </a:r>
           </a:p>
           <a:p>
@@ -2743,21 +2735,21 @@
                 <a:latin typeface="Courier New" panose="02070309020205020404" pitchFamily="49" charset="0"/>
                 <a:cs typeface="Courier New" panose="02070309020205020404" pitchFamily="49" charset="0"/>
               </a:rPr>
-              <a:t>().</a:t>
+              <a:t>()</a:t>
             </a:r>
           </a:p>
           <a:p>
             <a:pPr lvl="2"/>
             <a:r>
               <a:rPr lang="en-US" altLang="ko-KR" dirty="0"/>
-              <a:t>If it has completed, returns success.</a:t>
+              <a:t>If it has completed, returns success</a:t>
             </a:r>
           </a:p>
           <a:p>
             <a:pPr lvl="2"/>
             <a:r>
               <a:rPr lang="en-US" altLang="ko-KR" dirty="0"/>
-              <a:t>If not, EINPROGRESS is returned.</a:t>
+              <a:t>If not, EINPROGRESS is returned</a:t>
             </a:r>
           </a:p>
           <a:p>
@@ -3361,14 +3353,14 @@
           <a:p>
             <a:r>
               <a:rPr lang="en-US" altLang="ko-KR" dirty="0"/>
-              <a:t>Interrupt</a:t>
+              <a:t>Interrupts</a:t>
             </a:r>
           </a:p>
           <a:p>
             <a:pPr lvl="1"/>
             <a:r>
               <a:rPr lang="en-US" altLang="ko-KR" dirty="0"/>
-              <a:t>Remedy </a:t>
+              <a:t>To remedy </a:t>
             </a:r>
             <a:r>
               <a:rPr lang="en-US" altLang="ko-KR" dirty="0">
@@ -3397,7 +3389,7 @@
             </a:r>
             <a:r>
               <a:rPr lang="en-US" altLang="ko-KR" dirty="0"/>
-              <a:t>to inform applications when an asynchronous I/O completes.</a:t>
+              <a:t>to inform applications when an asynchronous I/O completes</a:t>
             </a:r>
           </a:p>
           <a:p>
@@ -3409,10 +3401,6 @@
             <a:r>
               <a:rPr lang="en-US" altLang="ko-KR" i="1" dirty="0"/>
               <a:t>repeatedly ask the system</a:t>
-            </a:r>
-            <a:r>
-              <a:rPr lang="en-US" altLang="ko-KR" dirty="0"/>
-              <a:t>.</a:t>
             </a:r>
             <a:endParaRPr lang="ko-KR" altLang="en-US" dirty="0"/>
           </a:p>
@@ -3513,34 +3501,33 @@
             </a:r>
             <a:r>
               <a:rPr lang="en-US" altLang="ko-KR" dirty="0"/>
-              <a:t> code.</a:t>
+              <a:t> code</a:t>
             </a:r>
           </a:p>
           <a:p>
             <a:pPr lvl="1"/>
             <a:r>
               <a:rPr lang="en-US" altLang="ko-KR" dirty="0"/>
-              <a:t>It must package up some program state for the next event handler to use when the I/O completes.</a:t>
+              <a:t>It must package up some program state for the next event handler to use when the I/O completes</a:t>
             </a:r>
           </a:p>
           <a:p>
             <a:pPr lvl="1"/>
             <a:r>
-              <a:rPr lang="en-US" altLang="ko-KR" dirty="0"/>
-              <a:t>The state the program needs is on the stack of the thread. </a:t>
+              <a:rPr lang="en-US" altLang="ko-KR" b="1" dirty="0">
+                <a:sym typeface="Wingdings" panose="05000000000000000000" pitchFamily="2" charset="2"/>
+              </a:rPr>
+              <a:t>Requires manual stack management </a:t>
             </a:r>
             <a:r>
               <a:rPr lang="en-US" altLang="ko-KR" dirty="0">
                 <a:sym typeface="Wingdings" panose="05000000000000000000" pitchFamily="2" charset="2"/>
               </a:rPr>
-              <a:t> </a:t>
-            </a:r>
-            <a:r>
-              <a:rPr lang="en-US" altLang="ko-KR" b="1" dirty="0">
-                <a:sym typeface="Wingdings" panose="05000000000000000000" pitchFamily="2" charset="2"/>
-              </a:rPr>
-              <a:t>manual stack management</a:t>
-            </a:r>
+              <a:t>compared to using threads</a:t>
+            </a:r>
+            <a:endParaRPr lang="en-US" altLang="ko-KR" b="1" dirty="0">
+              <a:sym typeface="Wingdings" panose="05000000000000000000" pitchFamily="2" charset="2"/>
+            </a:endParaRPr>
           </a:p>
         </p:txBody>
       </p:sp>
@@ -3656,7 +3643,7 @@
               <a:rPr lang="en-US" altLang="ko-KR" dirty="0">
                 <a:sym typeface="Wingdings" panose="05000000000000000000" pitchFamily="2" charset="2"/>
               </a:rPr>
-              <a:t> the read asynchronously.</a:t>
+              <a:t> the read asynchronously</a:t>
             </a:r>
           </a:p>
           <a:p>
@@ -3677,7 +3664,7 @@
               <a:rPr lang="en-US" altLang="ko-KR" dirty="0">
                 <a:sym typeface="Wingdings" panose="05000000000000000000" pitchFamily="2" charset="2"/>
               </a:rPr>
-              <a:t>for completion of the read.</a:t>
+              <a:t>for completion of the read</a:t>
             </a:r>
           </a:p>
           <a:p>
@@ -3692,7 +3679,7 @@
               <a:rPr lang="en-US" altLang="ko-KR" b="1" dirty="0">
                 <a:sym typeface="Wingdings" panose="05000000000000000000" pitchFamily="2" charset="2"/>
               </a:rPr>
-              <a:t>read is complete.</a:t>
+              <a:t>read is complete</a:t>
             </a:r>
             <a:endParaRPr lang="en-US" altLang="ko-KR" dirty="0">
               <a:sym typeface="Wingdings" panose="05000000000000000000" pitchFamily="2" charset="2"/>
@@ -4088,32 +4075,29 @@
               </a:rPr>
               <a:t>in some data structure</a:t>
             </a:r>
+            <a:endParaRPr lang="en-US" altLang="ko-KR" dirty="0">
+              <a:sym typeface="Wingdings" panose="05000000000000000000" pitchFamily="2" charset="2"/>
+            </a:endParaRPr>
+          </a:p>
+          <a:p>
+            <a:pPr lvl="1"/>
             <a:r>
               <a:rPr lang="en-US" altLang="ko-KR" dirty="0">
                 <a:sym typeface="Wingdings" panose="05000000000000000000" pitchFamily="2" charset="2"/>
               </a:rPr>
-              <a:t>.</a:t>
-            </a:r>
-          </a:p>
-          <a:p>
-            <a:pPr lvl="1"/>
+              <a:t>When the event happens (i.e., when the disk I/O completes), </a:t>
+            </a:r>
+            <a:r>
+              <a:rPr lang="en-US" altLang="ko-KR" b="1" dirty="0">
+                <a:sym typeface="Wingdings" panose="05000000000000000000" pitchFamily="2" charset="2"/>
+              </a:rPr>
+              <a:t>look up </a:t>
+            </a:r>
             <a:r>
               <a:rPr lang="en-US" altLang="ko-KR" dirty="0">
                 <a:sym typeface="Wingdings" panose="05000000000000000000" pitchFamily="2" charset="2"/>
               </a:rPr>
-              <a:t>When the event happens (i.e., when the disk I/O completes), </a:t>
-            </a:r>
-            <a:r>
-              <a:rPr lang="en-US" altLang="ko-KR" b="1" dirty="0">
-                <a:sym typeface="Wingdings" panose="05000000000000000000" pitchFamily="2" charset="2"/>
-              </a:rPr>
-              <a:t>look up </a:t>
-            </a:r>
-            <a:r>
-              <a:rPr lang="en-US" altLang="ko-KR" dirty="0">
-                <a:sym typeface="Wingdings" panose="05000000000000000000" pitchFamily="2" charset="2"/>
-              </a:rPr>
-              <a:t>the needed information and process the event.</a:t>
+              <a:t>the needed information and process the event</a:t>
             </a:r>
           </a:p>
         </p:txBody>
@@ -4168,7 +4152,7 @@
           <a:p>
             <a:r>
               <a:rPr lang="en-US" altLang="ko-KR" dirty="0"/>
-              <a:t>What is still difficult with Events.</a:t>
+              <a:t>What is still difficult with Events</a:t>
             </a:r>
             <a:endParaRPr lang="ko-KR" altLang="en-US" dirty="0"/>
           </a:p>
@@ -4203,16 +4187,20 @@
               </a:rPr>
               <a:t>multiple CPUs</a:t>
             </a:r>
-            <a:r>
-              <a:rPr lang="en-US" altLang="ko-KR" sz="1800" dirty="0"/>
-              <a:t>.</a:t>
-            </a:r>
+            <a:endParaRPr lang="en-US" altLang="ko-KR" sz="1800" dirty="0"/>
           </a:p>
           <a:p>
             <a:pPr lvl="1"/>
             <a:r>
               <a:rPr lang="en-US" altLang="ko-KR" sz="1600" dirty="0"/>
-              <a:t>Some of the simplicity of the event-based approach disappeared.</a:t>
+              <a:t>Some of the simplicity of the event-based approach disappeared</a:t>
+            </a:r>
+          </a:p>
+          <a:p>
+            <a:pPr lvl="1"/>
+            <a:r>
+              <a:rPr lang="en-US" altLang="ko-KR" sz="1600" dirty="0"/>
+              <a:t>Usual synchronization problems reappear because of multiple event handlers running on different cores</a:t>
             </a:r>
           </a:p>
           <a:p>
@@ -4236,18 +4224,14 @@
             </a:r>
             <a:r>
               <a:rPr lang="en-US" altLang="ko-KR" sz="1800" dirty="0"/>
-              <a:t> with certain kinds of systems activity. </a:t>
+              <a:t> with certain kinds of systems activity</a:t>
             </a:r>
           </a:p>
           <a:p>
             <a:pPr lvl="1"/>
             <a:r>
-              <a:rPr lang="en-US" altLang="ko-KR" sz="1600" b="1" dirty="0"/>
-              <a:t>Ex. Paging</a:t>
-            </a:r>
-            <a:r>
               <a:rPr lang="en-US" altLang="ko-KR" sz="1600" dirty="0"/>
-              <a:t>: A server will not make progress until page fault completes (implicit blocking).</a:t>
+              <a:t>Ex. Paging: A server will not make progress until page fault completes (implicit blocking)</a:t>
             </a:r>
           </a:p>
           <a:p>
@@ -4257,7 +4241,14 @@
           <a:p>
             <a:r>
               <a:rPr lang="en-US" altLang="ko-KR" sz="1800" dirty="0"/>
-              <a:t>Hard to manage overtime: The exact semantics of various routines changes.</a:t>
+              <a:t>Hard to manage overtime: The exact semantics of various routines changes</a:t>
+            </a:r>
+          </a:p>
+          <a:p>
+            <a:pPr lvl="1"/>
+            <a:r>
+              <a:rPr lang="en-US" altLang="ko-KR" sz="1600" dirty="0"/>
+              <a:t>Routines that change from non-blocking to blocking will require changes in the event handler also</a:t>
             </a:r>
           </a:p>
           <a:p>
@@ -4280,7 +4271,14 @@
             </a:r>
             <a:r>
               <a:rPr lang="en-US" altLang="ko-KR" sz="1800" dirty="0"/>
-              <a:t>in as simple and uniform a manner as you might think.</a:t>
+              <a:t>in as simple and uniform a manner as you might think</a:t>
+            </a:r>
+          </a:p>
+          <a:p>
+            <a:pPr lvl="1"/>
+            <a:r>
+              <a:rPr lang="en-US" altLang="ko-KR" sz="1600" dirty="0"/>
+              <a:t>Need to combine select() with AIO</a:t>
             </a:r>
           </a:p>
           <a:p>
@@ -4380,10 +4378,7 @@
               </a:rPr>
               <a:t>communicate with a process</a:t>
             </a:r>
-            <a:r>
-              <a:rPr lang="en-US" altLang="ko-KR" dirty="0"/>
-              <a:t>.</a:t>
-            </a:r>
+            <a:endParaRPr lang="en-US" altLang="ko-KR" dirty="0"/>
           </a:p>
           <a:p>
             <a:pPr lvl="1"/>
@@ -5983,10 +5978,7 @@
               <a:rPr lang="en-US" altLang="ko-KR" i="1" dirty="0"/>
               <a:t>internet servers</a:t>
             </a:r>
-            <a:r>
-              <a:rPr lang="en-US" altLang="ko-KR" dirty="0"/>
-              <a:t>.</a:t>
-            </a:r>
+            <a:endParaRPr lang="en-US" altLang="ko-KR" dirty="0"/>
           </a:p>
           <a:p>
             <a:pPr lvl="1"/>
@@ -5994,30 +5986,34 @@
           </a:p>
           <a:p>
             <a:r>
+              <a:rPr lang="en-US" altLang="ko-KR" dirty="0"/>
+              <a:t>The problems</a:t>
+            </a:r>
+            <a:r>
               <a:rPr lang="en-US" altLang="ko-KR" b="1" dirty="0"/>
-              <a:t>The problem </a:t>
-            </a:r>
-            <a:r>
-              <a:rPr lang="en-US" altLang="ko-KR" dirty="0"/>
-              <a:t>that event-based concurrency addresses is two-fold.</a:t>
+              <a:t> </a:t>
+            </a:r>
+            <a:r>
+              <a:rPr lang="en-US" altLang="ko-KR" dirty="0"/>
+              <a:t>that event-based concurrency addresses is two-fold:</a:t>
             </a:r>
           </a:p>
           <a:p>
             <a:pPr lvl="1"/>
             <a:r>
               <a:rPr lang="en-US" altLang="ko-KR" u="sng" dirty="0"/>
-              <a:t>Managing concurrency correctly</a:t>
-            </a:r>
-            <a:r>
-              <a:rPr lang="en-US" altLang="ko-KR" dirty="0"/>
-              <a:t> in multi-threaded applications.</a:t>
+              <a:t>Managing concurrency correctly </a:t>
+            </a:r>
+            <a:r>
+              <a:rPr lang="en-US" altLang="ko-KR" dirty="0"/>
+              <a:t>in multi-threaded applications</a:t>
             </a:r>
           </a:p>
           <a:p>
             <a:pPr lvl="2"/>
             <a:r>
               <a:rPr lang="en-US" altLang="ko-KR" dirty="0"/>
-              <a:t>Missing locks, deadlock, and other nasty problems can arise.</a:t>
+              <a:t>Missing locks, deadlock, and other nasty problems can arise</a:t>
             </a:r>
           </a:p>
           <a:p>
@@ -6028,15 +6024,15 @@
             <a:pPr lvl="1"/>
             <a:r>
               <a:rPr lang="en-US" altLang="ko-KR" dirty="0"/>
-              <a:t>The developer has little or no control over </a:t>
+              <a:t>The </a:t>
             </a:r>
             <a:r>
               <a:rPr lang="en-US" altLang="ko-KR" u="sng" dirty="0"/>
-              <a:t>what is scheduled</a:t>
-            </a:r>
-            <a:r>
-              <a:rPr lang="en-US" altLang="ko-KR" dirty="0"/>
-              <a:t> at a given moment in time.</a:t>
+              <a:t>developer has little or no control over what is scheduled </a:t>
+            </a:r>
+            <a:r>
+              <a:rPr lang="en-US" altLang="ko-KR" dirty="0"/>
+              <a:t>at a given moment in time</a:t>
             </a:r>
           </a:p>
         </p:txBody>
@@ -6133,7 +6129,7 @@
             </a:r>
             <a:r>
               <a:rPr lang="en-US" altLang="ko-KR" dirty="0"/>
-              <a:t>”)to occur.</a:t>
+              <a:t>”)to occur</a:t>
             </a:r>
           </a:p>
           <a:p>
@@ -6148,7 +6144,7 @@
             </a:r>
             <a:r>
               <a:rPr lang="en-US" altLang="ko-KR" dirty="0"/>
-              <a:t> what type of event it is.</a:t>
+              <a:t> what type of event it is</a:t>
             </a:r>
           </a:p>
           <a:p>
@@ -6159,7 +6155,7 @@
             </a:r>
             <a:r>
               <a:rPr lang="en-US" altLang="ko-KR" dirty="0"/>
-              <a:t> the small amount of work it requires.</a:t>
+              <a:t> the small amount of work it requires</a:t>
             </a:r>
           </a:p>
           <a:p>
@@ -6593,7 +6589,7 @@
                 <a:ea typeface="맑은 고딕" pitchFamily="50" charset="-127"/>
                 <a:cs typeface="Courier New" pitchFamily="49" charset="0"/>
               </a:rPr>
-              <a:t>.</a:t>
+              <a:t>?</a:t>
             </a:r>
           </a:p>
         </p:txBody>
@@ -6748,7 +6744,7 @@
             </a:r>
             <a:r>
               <a:rPr lang="en-US" altLang="ko-KR" dirty="0"/>
-              <a:t>that should be attended to.</a:t>
+              <a:t>that should be attended to</a:t>
             </a:r>
           </a:p>
           <a:p>
@@ -6773,8 +6769,15 @@
           <a:p>
             <a:pPr lvl="2"/>
             <a:r>
-              <a:rPr lang="en-US" altLang="ko-KR" dirty="0"/>
-              <a:t>Lets a server determine that a </a:t>
+              <a:rPr lang="en-US" altLang="ko-KR" dirty="0" err="1">
+                <a:latin typeface="Courier New" panose="02070309020205020404" pitchFamily="49" charset="0"/>
+                <a:cs typeface="Courier New" panose="02070309020205020404" pitchFamily="49" charset="0"/>
+              </a:rPr>
+              <a:t>readfds</a:t>
+            </a:r>
+            <a:r>
+              <a:rPr lang="en-US" altLang="ko-KR" dirty="0"/>
+              <a:t>: Lets a server determine that a </a:t>
             </a:r>
             <a:r>
               <a:rPr lang="en-US" altLang="ko-KR" b="1" dirty="0"/>
@@ -6782,23 +6785,35 @@
             </a:r>
             <a:r>
               <a:rPr lang="en-US" altLang="ko-KR" dirty="0"/>
-              <a:t>and is in need of processing.</a:t>
+              <a:t>and is in need of processing</a:t>
             </a:r>
           </a:p>
           <a:p>
             <a:pPr lvl="2"/>
             <a:r>
-              <a:rPr lang="en-US" altLang="ko-KR" dirty="0"/>
-              <a:t>Let the service know when </a:t>
+              <a:rPr lang="en-US" altLang="ko-KR" dirty="0" err="1">
+                <a:latin typeface="Courier New" panose="02070309020205020404" pitchFamily="49" charset="0"/>
+                <a:cs typeface="Courier New" panose="02070309020205020404" pitchFamily="49" charset="0"/>
+              </a:rPr>
+              <a:t>writefds</a:t>
+            </a:r>
+            <a:r>
+              <a:rPr lang="en-US" altLang="ko-KR" dirty="0"/>
+              <a:t>: Which </a:t>
+            </a:r>
+            <a:r>
+              <a:rPr lang="en-US" altLang="ko-KR" dirty="0" err="1"/>
+              <a:t>fd</a:t>
+            </a:r>
+            <a:r>
+              <a:rPr lang="en-US" altLang="ko-KR" dirty="0"/>
+              <a:t> to write to: Let the service know when </a:t>
             </a:r>
             <a:r>
               <a:rPr lang="en-US" altLang="ko-KR" b="1" dirty="0"/>
               <a:t>it is OK to reply</a:t>
             </a:r>
-            <a:r>
-              <a:rPr lang="en-US" altLang="ko-KR" dirty="0"/>
-              <a:t>.</a:t>
-            </a:r>
+            <a:endParaRPr lang="en-US" altLang="ko-KR" dirty="0"/>
           </a:p>
           <a:p>
             <a:pPr lvl="2"/>
@@ -6840,7 +6855,7 @@
             </a:r>
             <a:r>
               <a:rPr lang="en-US" altLang="ko-KR" dirty="0"/>
-              <a:t>until some descriptor is ready.</a:t>
+              <a:t>until some descriptor is ready</a:t>
             </a:r>
           </a:p>
           <a:p>
@@ -6869,7 +6884,7 @@
             </a:r>
             <a:r>
               <a:rPr lang="en-US" altLang="ko-KR" i="1" dirty="0"/>
-              <a:t>return immediately.</a:t>
+              <a:t>return immediately</a:t>
             </a:r>
             <a:endParaRPr lang="ko-KR" altLang="en-US" i="1" dirty="0"/>
           </a:p>
